--- a/GM/X-Volt Joint Tuning of Driver Strengths and Supply Voltages/X-Volt Joint Tuning of Driver Strengths and Supply Voltages.pptx
+++ b/GM/X-Volt Joint Tuning of Driver Strengths and Supply Voltages/X-Volt Joint Tuning of Driver Strengths and Supply Voltages.pptx
@@ -219,7 +219,7 @@
           <a:p>
             <a:fld id="{6A4D8894-E86E-41D1-A477-1E3FE77A9BA7}" type="datetimeFigureOut">
               <a:rPr lang="zh-TW" altLang="en-US" smtClean="0"/>
-              <a:t>2023/5/30</a:t>
+              <a:t>2023/5/31</a:t>
             </a:fld>
             <a:endParaRPr lang="zh-TW" altLang="en-US"/>
           </a:p>
@@ -807,24 +807,20 @@
           <a:lstStyle/>
           <a:p>
             <a:r>
+              <a:rPr lang="zh-TW" altLang="en-US" dirty="0"/>
+              <a:t>一開始會先建立簡單的的</a:t>
+            </a:r>
+            <a:r>
               <a:rPr lang="en-US" altLang="zh-TW" dirty="0"/>
-              <a:t>1. The pair of registers, which is one with the high available strength, and the other with the low strength 2. The tunable register </a:t>
-            </a:r>
-            <a:r>
-              <a:rPr lang="en-US" altLang="zh-TW" dirty="0" err="1"/>
-              <a:t>ouputs</a:t>
+              <a:t>circuit scheme</a:t>
+            </a:r>
+            <a:r>
+              <a:rPr lang="zh-TW" altLang="en-US" dirty="0"/>
+              <a:t>進行進行</a:t>
             </a:r>
             <a:r>
               <a:rPr lang="en-US" altLang="zh-TW" dirty="0"/>
-              <a:t> one of below signal: (a) the signal with stronger strength (b) the signal with weaker strength 3. The </a:t>
-            </a:r>
-            <a:r>
-              <a:rPr lang="en-US" altLang="zh-TW" dirty="0" err="1"/>
-              <a:t>in_net</a:t>
-            </a:r>
-            <a:r>
-              <a:rPr lang="en-US" altLang="zh-TW" dirty="0"/>
-              <a:t> signal will also feedback to the Mux, which prevents the toggle of the signal</a:t>
+              <a:t>tuning</a:t>
             </a:r>
             <a:endParaRPr lang="zh-TW" altLang="en-US" dirty="0"/>
           </a:p>
@@ -847,7 +843,7 @@
           <a:p>
             <a:fld id="{111F4231-EE74-4BEB-9C62-09ADF142AC7C}" type="slidenum">
               <a:rPr lang="zh-TW" altLang="en-US" smtClean="0"/>
-              <a:t>10</a:t>
+              <a:t>9</a:t>
             </a:fld>
             <a:endParaRPr lang="zh-TW" altLang="en-US"/>
           </a:p>
@@ -856,7 +852,7 @@
     </p:spTree>
     <p:extLst>
       <p:ext uri="{BB962C8B-B14F-4D97-AF65-F5344CB8AC3E}">
-        <p14:creationId xmlns:p14="http://schemas.microsoft.com/office/powerpoint/2010/main" val="1565198649"/>
+        <p14:creationId xmlns:p14="http://schemas.microsoft.com/office/powerpoint/2010/main" val="66780707"/>
       </p:ext>
     </p:extLst>
   </p:cSld>
@@ -912,6 +908,128 @@
           <a:p>
             <a:r>
               <a:rPr lang="en-US" altLang="zh-TW" dirty="0"/>
+              <a:t>1. The pair of registers, which is one with the high available strength, and the other with the low strength 2. The tunable register </a:t>
+            </a:r>
+            <a:r>
+              <a:rPr lang="en-US" altLang="zh-TW" dirty="0" err="1"/>
+              <a:t>ouputs</a:t>
+            </a:r>
+            <a:r>
+              <a:rPr lang="en-US" altLang="zh-TW" dirty="0"/>
+              <a:t> one of below signal: (a) the signal with stronger strength (b) the signal with weaker strength 3. The </a:t>
+            </a:r>
+            <a:r>
+              <a:rPr lang="en-US" altLang="zh-TW" dirty="0" err="1"/>
+              <a:t>in_net</a:t>
+            </a:r>
+            <a:r>
+              <a:rPr lang="en-US" altLang="zh-TW" dirty="0"/>
+              <a:t> signal will also feedback to the Mux, which prevents the toggle of the signal</a:t>
+            </a:r>
+            <a:endParaRPr lang="zh-TW" altLang="en-US" dirty="0"/>
+          </a:p>
+        </p:txBody>
+      </p:sp>
+      <p:sp>
+        <p:nvSpPr>
+          <p:cNvPr id="4" name="投影片編號版面配置區 3"/>
+          <p:cNvSpPr>
+            <a:spLocks noGrp="1"/>
+          </p:cNvSpPr>
+          <p:nvPr>
+            <p:ph type="sldNum" sz="quarter" idx="5"/>
+          </p:nvPr>
+        </p:nvSpPr>
+        <p:spPr/>
+        <p:txBody>
+          <a:bodyPr/>
+          <a:lstStyle/>
+          <a:p>
+            <a:fld id="{111F4231-EE74-4BEB-9C62-09ADF142AC7C}" type="slidenum">
+              <a:rPr lang="zh-TW" altLang="en-US" smtClean="0"/>
+              <a:t>10</a:t>
+            </a:fld>
+            <a:endParaRPr lang="zh-TW" altLang="en-US"/>
+          </a:p>
+        </p:txBody>
+      </p:sp>
+    </p:spTree>
+    <p:extLst>
+      <p:ext uri="{BB962C8B-B14F-4D97-AF65-F5344CB8AC3E}">
+        <p14:creationId xmlns:p14="http://schemas.microsoft.com/office/powerpoint/2010/main" val="1565198649"/>
+      </p:ext>
+    </p:extLst>
+  </p:cSld>
+  <p:clrMapOvr>
+    <a:masterClrMapping/>
+  </p:clrMapOvr>
+</p:notes>
+</file>
+
+<file path=ppt/notesSlides/notesSlide6.xml><?xml version="1.0" encoding="utf-8"?>
+<p:notes xmlns:a="http://schemas.openxmlformats.org/drawingml/2006/main" xmlns:r="http://schemas.openxmlformats.org/officeDocument/2006/relationships" xmlns:p="http://schemas.openxmlformats.org/presentationml/2006/main">
+  <p:cSld>
+    <p:spTree>
+      <p:nvGrpSpPr>
+        <p:cNvPr id="1" name=""/>
+        <p:cNvGrpSpPr/>
+        <p:nvPr/>
+      </p:nvGrpSpPr>
+      <p:grpSpPr>
+        <a:xfrm>
+          <a:off x="0" y="0"/>
+          <a:ext cx="0" cy="0"/>
+          <a:chOff x="0" y="0"/>
+          <a:chExt cx="0" cy="0"/>
+        </a:xfrm>
+      </p:grpSpPr>
+      <p:sp>
+        <p:nvSpPr>
+          <p:cNvPr id="2" name="投影片影像版面配置區 1"/>
+          <p:cNvSpPr>
+            <a:spLocks noGrp="1" noRot="1" noChangeAspect="1"/>
+          </p:cNvSpPr>
+          <p:nvPr>
+            <p:ph type="sldImg"/>
+          </p:nvPr>
+        </p:nvSpPr>
+        <p:spPr/>
+      </p:sp>
+      <p:sp>
+        <p:nvSpPr>
+          <p:cNvPr id="3" name="備忘稿版面配置區 2"/>
+          <p:cNvSpPr>
+            <a:spLocks noGrp="1"/>
+          </p:cNvSpPr>
+          <p:nvPr>
+            <p:ph type="body" idx="1"/>
+          </p:nvPr>
+        </p:nvSpPr>
+        <p:spPr/>
+        <p:txBody>
+          <a:bodyPr/>
+          <a:lstStyle/>
+          <a:p>
+            <a:r>
+              <a:rPr lang="zh-TW" altLang="en-US" dirty="0"/>
+              <a:t>接著會進行</a:t>
+            </a:r>
+            <a:r>
+              <a:rPr lang="en-US" altLang="zh-TW" dirty="0"/>
+              <a:t>power analysis</a:t>
+            </a:r>
+            <a:r>
+              <a:rPr lang="zh-TW" altLang="en-US" dirty="0"/>
+              <a:t>，以獲取</a:t>
+            </a:r>
+            <a:r>
+              <a:rPr lang="en-US" altLang="zh-TW" dirty="0"/>
+              <a:t>actual power</a:t>
+            </a:r>
+          </a:p>
+          <a:p>
+            <a:r>
+              <a:rPr lang="en-US" altLang="zh-TW" dirty="0"/>
               <a:t>Input : (1) RTL (AES crypto core) (2) standard cell library (tech file </a:t>
             </a:r>
             <a:r>
@@ -966,7 +1084,7 @@
 </p:notes>
 </file>
 
-<file path=ppt/notesSlides/notesSlide6.xml><?xml version="1.0" encoding="utf-8"?>
+<file path=ppt/notesSlides/notesSlide7.xml><?xml version="1.0" encoding="utf-8"?>
 <p:notes xmlns:a="http://schemas.openxmlformats.org/drawingml/2006/main" xmlns:r="http://schemas.openxmlformats.org/officeDocument/2006/relationships" xmlns:p="http://schemas.openxmlformats.org/presentationml/2006/main">
   <p:cSld>
     <p:spTree>
@@ -1197,7 +1315,7 @@
           <a:p>
             <a:fld id="{6CC77D43-FAD3-4AA9-B0E2-50ABA9B4A8B8}" type="datetime1">
               <a:rPr lang="zh-TW" altLang="en-US" smtClean="0"/>
-              <a:t>2023/5/30</a:t>
+              <a:t>2023/5/31</a:t>
             </a:fld>
             <a:endParaRPr lang="zh-TW" altLang="en-US"/>
           </a:p>
@@ -1395,7 +1513,7 @@
           <a:p>
             <a:fld id="{2DD65693-DBEB-48AF-B330-AD7CB7F82AC5}" type="datetime1">
               <a:rPr lang="zh-TW" altLang="en-US" smtClean="0"/>
-              <a:t>2023/5/30</a:t>
+              <a:t>2023/5/31</a:t>
             </a:fld>
             <a:endParaRPr lang="zh-TW" altLang="en-US"/>
           </a:p>
@@ -1603,7 +1721,7 @@
           <a:p>
             <a:fld id="{284DE2D3-C2E2-4710-8049-EAC1BD7C77C2}" type="datetime1">
               <a:rPr lang="zh-TW" altLang="en-US" smtClean="0"/>
-              <a:t>2023/5/30</a:t>
+              <a:t>2023/5/31</a:t>
             </a:fld>
             <a:endParaRPr lang="zh-TW" altLang="en-US"/>
           </a:p>
@@ -1801,7 +1919,7 @@
           <a:p>
             <a:fld id="{47012E84-7B06-40CD-97A5-CDD11C701602}" type="datetime1">
               <a:rPr lang="zh-TW" altLang="en-US" smtClean="0"/>
-              <a:t>2023/5/30</a:t>
+              <a:t>2023/5/31</a:t>
             </a:fld>
             <a:endParaRPr lang="zh-TW" altLang="en-US"/>
           </a:p>
@@ -2076,7 +2194,7 @@
           <a:p>
             <a:fld id="{DC412E6E-A67C-4A79-8511-D99611EFA08A}" type="datetime1">
               <a:rPr lang="zh-TW" altLang="en-US" smtClean="0"/>
-              <a:t>2023/5/30</a:t>
+              <a:t>2023/5/31</a:t>
             </a:fld>
             <a:endParaRPr lang="zh-TW" altLang="en-US"/>
           </a:p>
@@ -2341,7 +2459,7 @@
           <a:p>
             <a:fld id="{AC1A05A7-FA09-4208-A660-090469805722}" type="datetime1">
               <a:rPr lang="zh-TW" altLang="en-US" smtClean="0"/>
-              <a:t>2023/5/30</a:t>
+              <a:t>2023/5/31</a:t>
             </a:fld>
             <a:endParaRPr lang="zh-TW" altLang="en-US"/>
           </a:p>
@@ -2753,7 +2871,7 @@
           <a:p>
             <a:fld id="{867F3174-D730-49CA-B042-D33286B1C56D}" type="datetime1">
               <a:rPr lang="zh-TW" altLang="en-US" smtClean="0"/>
-              <a:t>2023/5/30</a:t>
+              <a:t>2023/5/31</a:t>
             </a:fld>
             <a:endParaRPr lang="zh-TW" altLang="en-US"/>
           </a:p>
@@ -2894,7 +3012,7 @@
           <a:p>
             <a:fld id="{907A0544-B5DE-401E-842D-58D80B62CDD0}" type="datetime1">
               <a:rPr lang="zh-TW" altLang="en-US" smtClean="0"/>
-              <a:t>2023/5/30</a:t>
+              <a:t>2023/5/31</a:t>
             </a:fld>
             <a:endParaRPr lang="zh-TW" altLang="en-US"/>
           </a:p>
@@ -3007,7 +3125,7 @@
           <a:p>
             <a:fld id="{E2BF8E4B-8C23-406F-ACE8-10A25613683F}" type="datetime1">
               <a:rPr lang="zh-TW" altLang="en-US" smtClean="0"/>
-              <a:t>2023/5/30</a:t>
+              <a:t>2023/5/31</a:t>
             </a:fld>
             <a:endParaRPr lang="zh-TW" altLang="en-US"/>
           </a:p>
@@ -3318,7 +3436,7 @@
           <a:p>
             <a:fld id="{38CA06FD-53CF-4DB7-8A64-BCE3EE03ED58}" type="datetime1">
               <a:rPr lang="zh-TW" altLang="en-US" smtClean="0"/>
-              <a:t>2023/5/30</a:t>
+              <a:t>2023/5/31</a:t>
             </a:fld>
             <a:endParaRPr lang="zh-TW" altLang="en-US"/>
           </a:p>
@@ -3606,7 +3724,7 @@
           <a:p>
             <a:fld id="{08B9D46B-C4CC-4652-B342-A183859F7E31}" type="datetime1">
               <a:rPr lang="zh-TW" altLang="en-US" smtClean="0"/>
-              <a:t>2023/5/30</a:t>
+              <a:t>2023/5/31</a:t>
             </a:fld>
             <a:endParaRPr lang="zh-TW" altLang="en-US"/>
           </a:p>
@@ -3847,7 +3965,7 @@
           <a:p>
             <a:fld id="{B1C895BE-9D4D-45F4-9533-89354EF67426}" type="datetime1">
               <a:rPr lang="zh-TW" altLang="en-US" smtClean="0"/>
-              <a:t>2023/5/30</a:t>
+              <a:t>2023/5/31</a:t>
             </a:fld>
             <a:endParaRPr lang="zh-TW" altLang="en-US"/>
           </a:p>
@@ -6693,14 +6811,14 @@
             <a:pPr lvl="1"/>
             <a:r>
               <a:rPr lang="en-US" altLang="zh-TW" dirty="0"/>
-              <a:t>Implementation in ASICs</a:t>
+              <a:t>ASICs - Runtime Tuning of Driven Strength</a:t>
             </a:r>
           </a:p>
           <a:p>
             <a:pPr lvl="1"/>
             <a:r>
               <a:rPr lang="en-US" altLang="zh-TW" dirty="0"/>
-              <a:t>Implementation in FPGA</a:t>
+              <a:t>FPGA - Runtime Tuning of Driven Strength</a:t>
             </a:r>
           </a:p>
           <a:p>
@@ -7378,11 +7496,7 @@
             </a:pPr>
             <a:r>
               <a:rPr lang="en-US" altLang="zh-TW" sz="2400" b="1" dirty="0"/>
-              <a:t>Build up HD (Hamming Distance) </a:t>
-            </a:r>
-            <a:r>
-              <a:rPr lang="en-US" altLang="zh-TW" sz="2400" b="1"/>
-              <a:t>power model</a:t>
+              <a:t>Build up HD (Hamming Distance) power model</a:t>
             </a:r>
           </a:p>
           <a:p>

--- a/GM/X-Volt Joint Tuning of Driver Strengths and Supply Voltages/X-Volt Joint Tuning of Driver Strengths and Supply Voltages.pptx
+++ b/GM/X-Volt Joint Tuning of Driver Strengths and Supply Voltages/X-Volt Joint Tuning of Driver Strengths and Supply Voltages.pptx
@@ -13,8 +13,8 @@
     <p:sldId id="288" r:id="rId4"/>
     <p:sldId id="258" r:id="rId5"/>
     <p:sldId id="259" r:id="rId6"/>
-    <p:sldId id="260" r:id="rId7"/>
-    <p:sldId id="289" r:id="rId8"/>
+    <p:sldId id="289" r:id="rId7"/>
+    <p:sldId id="260" r:id="rId8"/>
     <p:sldId id="262" r:id="rId9"/>
     <p:sldId id="263" r:id="rId10"/>
     <p:sldId id="291" r:id="rId11"/>
@@ -254,7 +254,7 @@
           <a:p>
             <a:fld id="{6A4D8894-E86E-41D1-A477-1E3FE77A9BA7}" type="datetimeFigureOut">
               <a:rPr lang="zh-TW" altLang="en-US" smtClean="0"/>
-              <a:t>2023/6/26</a:t>
+              <a:t>2023/6/27</a:t>
             </a:fld>
             <a:endParaRPr lang="zh-TW" altLang="en-US"/>
           </a:p>
@@ -3416,7 +3416,7 @@
           <a:p>
             <a:fld id="{111F4231-EE74-4BEB-9C62-09ADF142AC7C}" type="slidenum">
               <a:rPr lang="zh-TW" altLang="en-US" smtClean="0"/>
-              <a:t>6</a:t>
+              <a:t>5</a:t>
             </a:fld>
             <a:endParaRPr lang="zh-TW" altLang="en-US"/>
           </a:p>
@@ -4418,7 +4418,7 @@
           <a:p>
             <a:fld id="{6CC77D43-FAD3-4AA9-B0E2-50ABA9B4A8B8}" type="datetime1">
               <a:rPr lang="zh-TW" altLang="en-US" smtClean="0"/>
-              <a:t>2023/6/26</a:t>
+              <a:t>2023/6/27</a:t>
             </a:fld>
             <a:endParaRPr lang="zh-TW" altLang="en-US"/>
           </a:p>
@@ -4616,7 +4616,7 @@
           <a:p>
             <a:fld id="{2DD65693-DBEB-48AF-B330-AD7CB7F82AC5}" type="datetime1">
               <a:rPr lang="zh-TW" altLang="en-US" smtClean="0"/>
-              <a:t>2023/6/26</a:t>
+              <a:t>2023/6/27</a:t>
             </a:fld>
             <a:endParaRPr lang="zh-TW" altLang="en-US"/>
           </a:p>
@@ -4824,7 +4824,7 @@
           <a:p>
             <a:fld id="{284DE2D3-C2E2-4710-8049-EAC1BD7C77C2}" type="datetime1">
               <a:rPr lang="zh-TW" altLang="en-US" smtClean="0"/>
-              <a:t>2023/6/26</a:t>
+              <a:t>2023/6/27</a:t>
             </a:fld>
             <a:endParaRPr lang="zh-TW" altLang="en-US"/>
           </a:p>
@@ -5022,7 +5022,7 @@
           <a:p>
             <a:fld id="{47012E84-7B06-40CD-97A5-CDD11C701602}" type="datetime1">
               <a:rPr lang="zh-TW" altLang="en-US" smtClean="0"/>
-              <a:t>2023/6/26</a:t>
+              <a:t>2023/6/27</a:t>
             </a:fld>
             <a:endParaRPr lang="zh-TW" altLang="en-US"/>
           </a:p>
@@ -5297,7 +5297,7 @@
           <a:p>
             <a:fld id="{DC412E6E-A67C-4A79-8511-D99611EFA08A}" type="datetime1">
               <a:rPr lang="zh-TW" altLang="en-US" smtClean="0"/>
-              <a:t>2023/6/26</a:t>
+              <a:t>2023/6/27</a:t>
             </a:fld>
             <a:endParaRPr lang="zh-TW" altLang="en-US"/>
           </a:p>
@@ -5562,7 +5562,7 @@
           <a:p>
             <a:fld id="{AC1A05A7-FA09-4208-A660-090469805722}" type="datetime1">
               <a:rPr lang="zh-TW" altLang="en-US" smtClean="0"/>
-              <a:t>2023/6/26</a:t>
+              <a:t>2023/6/27</a:t>
             </a:fld>
             <a:endParaRPr lang="zh-TW" altLang="en-US"/>
           </a:p>
@@ -5974,7 +5974,7 @@
           <a:p>
             <a:fld id="{867F3174-D730-49CA-B042-D33286B1C56D}" type="datetime1">
               <a:rPr lang="zh-TW" altLang="en-US" smtClean="0"/>
-              <a:t>2023/6/26</a:t>
+              <a:t>2023/6/27</a:t>
             </a:fld>
             <a:endParaRPr lang="zh-TW" altLang="en-US"/>
           </a:p>
@@ -6115,7 +6115,7 @@
           <a:p>
             <a:fld id="{907A0544-B5DE-401E-842D-58D80B62CDD0}" type="datetime1">
               <a:rPr lang="zh-TW" altLang="en-US" smtClean="0"/>
-              <a:t>2023/6/26</a:t>
+              <a:t>2023/6/27</a:t>
             </a:fld>
             <a:endParaRPr lang="zh-TW" altLang="en-US"/>
           </a:p>
@@ -6228,7 +6228,7 @@
           <a:p>
             <a:fld id="{E2BF8E4B-8C23-406F-ACE8-10A25613683F}" type="datetime1">
               <a:rPr lang="zh-TW" altLang="en-US" smtClean="0"/>
-              <a:t>2023/6/26</a:t>
+              <a:t>2023/6/27</a:t>
             </a:fld>
             <a:endParaRPr lang="zh-TW" altLang="en-US"/>
           </a:p>
@@ -6539,7 +6539,7 @@
           <a:p>
             <a:fld id="{38CA06FD-53CF-4DB7-8A64-BCE3EE03ED58}" type="datetime1">
               <a:rPr lang="zh-TW" altLang="en-US" smtClean="0"/>
-              <a:t>2023/6/26</a:t>
+              <a:t>2023/6/27</a:t>
             </a:fld>
             <a:endParaRPr lang="zh-TW" altLang="en-US"/>
           </a:p>
@@ -6827,7 +6827,7 @@
           <a:p>
             <a:fld id="{08B9D46B-C4CC-4652-B342-A183859F7E31}" type="datetime1">
               <a:rPr lang="zh-TW" altLang="en-US" smtClean="0"/>
-              <a:t>2023/6/26</a:t>
+              <a:t>2023/6/27</a:t>
             </a:fld>
             <a:endParaRPr lang="zh-TW" altLang="en-US"/>
           </a:p>
@@ -7068,7 +7068,7 @@
           <a:p>
             <a:fld id="{B1C895BE-9D4D-45F4-9533-89354EF67426}" type="datetime1">
               <a:rPr lang="zh-TW" altLang="en-US" smtClean="0"/>
-              <a:t>2023/6/26</a:t>
+              <a:t>2023/6/27</a:t>
             </a:fld>
             <a:endParaRPr lang="zh-TW" altLang="en-US"/>
           </a:p>
@@ -13971,9 +13971,6 @@
             </a:pPr>
             <a:r>
               <a:rPr lang="en-US" altLang="zh-TW" b="0" i="0" dirty="0">
-                <a:solidFill>
-                  <a:srgbClr val="333333"/>
-                </a:solidFill>
                 <a:effectLst/>
                 <a:latin typeface="-apple-system"/>
               </a:rPr>
@@ -13981,9 +13978,6 @@
             </a:r>
             <a:r>
               <a:rPr lang="en-US" altLang="zh-TW" b="1" i="0" dirty="0">
-                <a:solidFill>
-                  <a:srgbClr val="333333"/>
-                </a:solidFill>
                 <a:effectLst/>
                 <a:latin typeface="-apple-system"/>
               </a:rPr>
@@ -13991,9 +13985,6 @@
             </a:r>
             <a:r>
               <a:rPr lang="en-US" altLang="zh-TW" b="0" i="0" dirty="0">
-                <a:solidFill>
-                  <a:srgbClr val="333333"/>
-                </a:solidFill>
                 <a:effectLst/>
                 <a:latin typeface="-apple-system"/>
               </a:rPr>
@@ -14008,9 +13999,6 @@
               <a:buNone/>
             </a:pPr>
             <a:endParaRPr lang="en-US" altLang="zh-TW" sz="2400" dirty="0">
-              <a:solidFill>
-                <a:srgbClr val="333333"/>
-              </a:solidFill>
               <a:latin typeface="-apple-system"/>
             </a:endParaRPr>
           </a:p>
@@ -15802,7 +15790,7 @@
                 </a:solidFill>
                 <a:latin typeface="-apple-system"/>
               </a:rPr>
-              <a:t>More resilient than lower driver strength (Scenario 3)</a:t>
+              <a:t>More resilient than lower driven strength (Scenario 3)</a:t>
             </a:r>
             <a:endParaRPr lang="zh-TW" altLang="en-US" dirty="0"/>
           </a:p>
@@ -16637,7 +16625,7 @@
                 <a:effectLst/>
                 <a:latin typeface="-apple-system"/>
               </a:rPr>
-              <a:t>resillent</a:t>
+              <a:t>resillient</a:t>
             </a:r>
             <a:r>
               <a:rPr lang="en-US" altLang="zh-TW" b="0" i="0" dirty="0">
@@ -20396,7 +20384,47 @@
                 <a:effectLst/>
                 <a:latin typeface="Calibri (本文)"/>
               </a:rPr>
-              <a:t>Dynamic driver-strength tuning, along with high VCCs or dynamic VCC tuning, is most effective</a:t>
+              <a:t>Dynamic driver-strength tuning, along with </a:t>
+            </a:r>
+            <a:r>
+              <a:rPr lang="en-US" altLang="zh-TW" sz="2400" b="1" i="0" dirty="0">
+                <a:solidFill>
+                  <a:srgbClr val="333333"/>
+                </a:solidFill>
+                <a:effectLst/>
+                <a:latin typeface="Calibri (本文)"/>
+              </a:rPr>
+              <a:t>high VCCs </a:t>
+            </a:r>
+            <a:r>
+              <a:rPr lang="en-US" altLang="zh-TW" sz="2400" b="0" i="0" dirty="0">
+                <a:solidFill>
+                  <a:srgbClr val="333333"/>
+                </a:solidFill>
+                <a:effectLst/>
+                <a:latin typeface="Calibri (本文)"/>
+              </a:rPr>
+              <a:t>or </a:t>
+            </a:r>
+            <a:r>
+              <a:rPr lang="en-US" altLang="zh-TW" sz="2400" b="1" i="0" dirty="0">
+                <a:solidFill>
+                  <a:srgbClr val="333333"/>
+                </a:solidFill>
+                <a:effectLst/>
+                <a:latin typeface="Calibri (本文)"/>
+              </a:rPr>
+              <a:t>dynamic VCC tuning</a:t>
+            </a:r>
+            <a:r>
+              <a:rPr lang="en-US" altLang="zh-TW" sz="2400" b="0" i="0" dirty="0">
+                <a:solidFill>
+                  <a:srgbClr val="333333"/>
+                </a:solidFill>
+                <a:effectLst/>
+                <a:latin typeface="Calibri (本文)"/>
+              </a:rPr>
+              <a:t>, is most effective</a:t>
             </a:r>
           </a:p>
           <a:p>
@@ -20731,7 +20759,7 @@
           <p:cNvPr id="2" name="標題 1">
             <a:extLst>
               <a:ext uri="{FF2B5EF4-FFF2-40B4-BE49-F238E27FC236}">
-                <a16:creationId xmlns:a16="http://schemas.microsoft.com/office/drawing/2014/main" id="{9C6210E8-BAC4-2DA1-9117-AC49975C3368}"/>
+                <a16:creationId xmlns:a16="http://schemas.microsoft.com/office/drawing/2014/main" id="{4B7B244A-0AAC-9828-3206-6AEDC6812628}"/>
               </a:ext>
             </a:extLst>
           </p:cNvPr>
@@ -20749,7 +20777,7 @@
           <a:p>
             <a:r>
               <a:rPr lang="en-US" altLang="zh-TW" dirty="0"/>
-              <a:t>Introduction – Side Channel Analysis</a:t>
+              <a:t>Outline</a:t>
             </a:r>
             <a:endParaRPr lang="zh-TW" altLang="en-US" dirty="0"/>
           </a:p>
@@ -20760,7 +20788,7 @@
           <p:cNvPr id="3" name="內容版面配置區 2">
             <a:extLst>
               <a:ext uri="{FF2B5EF4-FFF2-40B4-BE49-F238E27FC236}">
-                <a16:creationId xmlns:a16="http://schemas.microsoft.com/office/drawing/2014/main" id="{5B0EF93C-5299-19AE-F290-FA53E975EF9A}"/>
+                <a16:creationId xmlns:a16="http://schemas.microsoft.com/office/drawing/2014/main" id="{CAD556FA-7235-31B3-090C-7C5CA8D7A9F8}"/>
               </a:ext>
             </a:extLst>
           </p:cNvPr>
@@ -20778,224 +20806,90 @@
           </a:bodyPr>
           <a:lstStyle/>
           <a:p>
-            <a:pPr>
-              <a:lnSpc>
-                <a:spcPct val="110000"/>
-              </a:lnSpc>
-            </a:pPr>
-            <a:r>
-              <a:rPr lang="en-US" altLang="zh-TW" sz="2400" dirty="0">
-                <a:latin typeface="Calibri (本文)"/>
-              </a:rPr>
-              <a:t>To protect sensitive data handled within integrated circuits (ICs), the use of cryptographic (crypto) modules is widely adopted</a:t>
-            </a:r>
-          </a:p>
-          <a:p>
-            <a:pPr>
-              <a:lnSpc>
-                <a:spcPct val="110000"/>
-              </a:lnSpc>
-            </a:pPr>
-            <a:endParaRPr lang="en-US" altLang="zh-TW" sz="1800" dirty="0">
-              <a:latin typeface="Calibri (本文)"/>
+            <a:r>
+              <a:rPr lang="en-US" altLang="zh-TW" sz="3600" dirty="0">
+                <a:solidFill>
+                  <a:schemeClr val="bg2">
+                    <a:lumMod val="50000"/>
+                  </a:schemeClr>
+                </a:solidFill>
+              </a:rPr>
+              <a:t>Abstract</a:t>
+            </a:r>
+          </a:p>
+          <a:p>
+            <a:r>
+              <a:rPr lang="en-US" altLang="zh-TW" sz="3600" dirty="0"/>
+              <a:t>Introduction</a:t>
+            </a:r>
+          </a:p>
+          <a:p>
+            <a:r>
+              <a:rPr lang="en-US" altLang="zh-TW" sz="3600" dirty="0">
+                <a:solidFill>
+                  <a:schemeClr val="bg2">
+                    <a:lumMod val="50000"/>
+                  </a:schemeClr>
+                </a:solidFill>
+              </a:rPr>
+              <a:t>Threat Model</a:t>
+            </a:r>
+          </a:p>
+          <a:p>
+            <a:r>
+              <a:rPr lang="en-US" altLang="zh-TW" sz="3600" dirty="0">
+                <a:solidFill>
+                  <a:schemeClr val="bg2">
+                    <a:lumMod val="50000"/>
+                  </a:schemeClr>
+                </a:solidFill>
+              </a:rPr>
+              <a:t>Methodology</a:t>
+            </a:r>
+          </a:p>
+          <a:p>
+            <a:r>
+              <a:rPr lang="en-US" altLang="zh-TW" sz="3600" dirty="0">
+                <a:solidFill>
+                  <a:schemeClr val="bg2">
+                    <a:lumMod val="50000"/>
+                  </a:schemeClr>
+                </a:solidFill>
+              </a:rPr>
+              <a:t>Experimental Result</a:t>
+            </a:r>
+          </a:p>
+          <a:p>
+            <a:r>
+              <a:rPr lang="en-US" altLang="zh-TW" sz="3600" dirty="0">
+                <a:solidFill>
+                  <a:schemeClr val="bg2">
+                    <a:lumMod val="50000"/>
+                  </a:schemeClr>
+                </a:solidFill>
+              </a:rPr>
+              <a:t>Layout Analysis</a:t>
+            </a:r>
+          </a:p>
+          <a:p>
+            <a:r>
+              <a:rPr lang="en-US" altLang="zh-TW" sz="3600" dirty="0">
+                <a:solidFill>
+                  <a:schemeClr val="bg2">
+                    <a:lumMod val="50000"/>
+                  </a:schemeClr>
+                </a:solidFill>
+              </a:rPr>
+              <a:t>Conclusion</a:t>
+            </a:r>
+            <a:endParaRPr lang="zh-TW" altLang="en-US" sz="3600" dirty="0">
+              <a:solidFill>
+                <a:schemeClr val="bg2">
+                  <a:lumMod val="50000"/>
+                </a:schemeClr>
+              </a:solidFill>
             </a:endParaRPr>
           </a:p>
-          <a:p>
-            <a:pPr>
-              <a:lnSpc>
-                <a:spcPct val="110000"/>
-              </a:lnSpc>
-            </a:pPr>
-            <a:r>
-              <a:rPr lang="en-US" altLang="zh-TW" sz="2400" b="0" i="0" dirty="0">
-                <a:solidFill>
-                  <a:srgbClr val="333333"/>
-                </a:solidFill>
-                <a:effectLst/>
-                <a:latin typeface="Calibri (本文)"/>
-              </a:rPr>
-              <a:t>Once the attacker </a:t>
-            </a:r>
-            <a:r>
-              <a:rPr lang="en-US" altLang="zh-TW" sz="2400" b="1" i="0" dirty="0">
-                <a:solidFill>
-                  <a:srgbClr val="333333"/>
-                </a:solidFill>
-                <a:effectLst/>
-                <a:latin typeface="Calibri (本文)"/>
-              </a:rPr>
-              <a:t>accesses to ICs</a:t>
-            </a:r>
-            <a:r>
-              <a:rPr lang="en-US" altLang="zh-TW" sz="2400" b="0" i="0" dirty="0">
-                <a:solidFill>
-                  <a:srgbClr val="333333"/>
-                </a:solidFill>
-                <a:effectLst/>
-                <a:latin typeface="Calibri (本文)"/>
-              </a:rPr>
-              <a:t>, they can monitor the </a:t>
-            </a:r>
-            <a:r>
-              <a:rPr lang="en-US" altLang="zh-TW" sz="2400" b="1" i="0" dirty="0">
-                <a:solidFill>
-                  <a:srgbClr val="333333"/>
-                </a:solidFill>
-                <a:effectLst/>
-                <a:latin typeface="Calibri (本文)"/>
-              </a:rPr>
-              <a:t>runtime behavior</a:t>
-            </a:r>
-            <a:r>
-              <a:rPr lang="en-US" altLang="zh-TW" sz="2400" b="0" i="0" dirty="0">
-                <a:solidFill>
-                  <a:srgbClr val="333333"/>
-                </a:solidFill>
-                <a:effectLst/>
-                <a:latin typeface="Calibri (本文)"/>
-              </a:rPr>
-              <a:t> and </a:t>
-            </a:r>
-            <a:r>
-              <a:rPr lang="en-US" altLang="zh-TW" sz="2400" b="1" i="0" dirty="0">
-                <a:solidFill>
-                  <a:srgbClr val="333333"/>
-                </a:solidFill>
-                <a:effectLst/>
-                <a:latin typeface="Calibri (本文)"/>
-              </a:rPr>
-              <a:t>physical interactions</a:t>
-            </a:r>
-            <a:r>
-              <a:rPr lang="en-US" altLang="zh-TW" sz="2400" b="0" i="0" dirty="0">
-                <a:solidFill>
-                  <a:srgbClr val="333333"/>
-                </a:solidFill>
-                <a:effectLst/>
-                <a:latin typeface="Calibri (本文)"/>
-              </a:rPr>
-              <a:t> with the environment :</a:t>
-            </a:r>
-          </a:p>
-          <a:p>
-            <a:pPr marL="971550" lvl="1" indent="-514350">
-              <a:lnSpc>
-                <a:spcPct val="110000"/>
-              </a:lnSpc>
-              <a:buFont typeface="+mj-lt"/>
-              <a:buAutoNum type="arabicPeriod"/>
-            </a:pPr>
-            <a:r>
-              <a:rPr lang="en-US" altLang="zh-TW" b="1" i="0" dirty="0">
-                <a:solidFill>
-                  <a:srgbClr val="333333"/>
-                </a:solidFill>
-                <a:effectLst/>
-                <a:latin typeface="Calibri (本文)"/>
-              </a:rPr>
-              <a:t>Direct</a:t>
-            </a:r>
-            <a:r>
-              <a:rPr lang="en-US" altLang="zh-TW" b="0" i="0" dirty="0">
-                <a:solidFill>
-                  <a:srgbClr val="333333"/>
-                </a:solidFill>
-                <a:effectLst/>
-                <a:latin typeface="Calibri (本文)"/>
-              </a:rPr>
-              <a:t> : measurement</a:t>
-            </a:r>
-          </a:p>
-          <a:p>
-            <a:pPr marL="971550" lvl="1" indent="-514350">
-              <a:lnSpc>
-                <a:spcPct val="110000"/>
-              </a:lnSpc>
-              <a:buFont typeface="+mj-lt"/>
-              <a:buAutoNum type="arabicPeriod"/>
-            </a:pPr>
-            <a:r>
-              <a:rPr lang="en-US" altLang="zh-TW" b="1" i="0" dirty="0">
-                <a:solidFill>
-                  <a:srgbClr val="333333"/>
-                </a:solidFill>
-                <a:effectLst/>
-                <a:latin typeface="Calibri (本文)"/>
-              </a:rPr>
-              <a:t>Remote/Indirect</a:t>
-            </a:r>
-            <a:r>
-              <a:rPr lang="en-US" altLang="zh-TW" b="0" i="0" dirty="0">
-                <a:solidFill>
-                  <a:srgbClr val="333333"/>
-                </a:solidFill>
-                <a:effectLst/>
-                <a:latin typeface="Calibri (本文)"/>
-              </a:rPr>
-              <a:t> : software interface to embedded sensors</a:t>
-            </a:r>
-          </a:p>
-          <a:p>
-            <a:pPr marL="971550" lvl="1" indent="-514350">
-              <a:lnSpc>
-                <a:spcPct val="110000"/>
-              </a:lnSpc>
-              <a:buFont typeface="+mj-lt"/>
-              <a:buAutoNum type="arabicPeriod"/>
-            </a:pPr>
-            <a:endParaRPr lang="en-US" altLang="zh-TW" sz="1800" b="0" i="0" dirty="0">
-              <a:solidFill>
-                <a:srgbClr val="333333"/>
-              </a:solidFill>
-              <a:effectLst/>
-              <a:latin typeface="Calibri (本文)"/>
-            </a:endParaRPr>
-          </a:p>
-          <a:p>
-            <a:pPr>
-              <a:lnSpc>
-                <a:spcPct val="110000"/>
-              </a:lnSpc>
-            </a:pPr>
-            <a:r>
-              <a:rPr lang="en-US" altLang="zh-TW" sz="2400" b="0" i="0" dirty="0">
-                <a:solidFill>
-                  <a:srgbClr val="333333"/>
-                </a:solidFill>
-                <a:effectLst/>
-                <a:latin typeface="Calibri (本文)"/>
-              </a:rPr>
-              <a:t>They can infer the </a:t>
-            </a:r>
-            <a:r>
-              <a:rPr lang="en-US" altLang="zh-TW" sz="2400" b="1" i="0" dirty="0">
-                <a:solidFill>
-                  <a:srgbClr val="333333"/>
-                </a:solidFill>
-                <a:effectLst/>
-                <a:latin typeface="Calibri (本文)"/>
-              </a:rPr>
-              <a:t>secret key</a:t>
-            </a:r>
-            <a:r>
-              <a:rPr lang="en-US" altLang="zh-TW" sz="2400" b="0" i="0" dirty="0">
-                <a:solidFill>
-                  <a:srgbClr val="333333"/>
-                </a:solidFill>
-                <a:effectLst/>
-                <a:latin typeface="Calibri (本文)"/>
-              </a:rPr>
-              <a:t> used for crypto modules</a:t>
-            </a:r>
-          </a:p>
-          <a:p>
-            <a:pPr marL="0" indent="0">
-              <a:buNone/>
-            </a:pPr>
-            <a:endParaRPr lang="zh-TW" altLang="en-US" dirty="0">
-              <a:latin typeface="Calibri (本文)"/>
-            </a:endParaRPr>
-          </a:p>
         </p:txBody>
       </p:sp>
       <p:sp>
@@ -21003,7 +20897,7 @@
           <p:cNvPr id="4" name="投影片編號版面配置區 3">
             <a:extLst>
               <a:ext uri="{FF2B5EF4-FFF2-40B4-BE49-F238E27FC236}">
-                <a16:creationId xmlns:a16="http://schemas.microsoft.com/office/drawing/2014/main" id="{F8BB9982-D5F7-7E28-A300-EEAB357A4CBC}"/>
+                <a16:creationId xmlns:a16="http://schemas.microsoft.com/office/drawing/2014/main" id="{4453F770-C46F-3AF7-868A-3A7A496C4F01}"/>
               </a:ext>
             </a:extLst>
           </p:cNvPr>
@@ -21023,14 +20917,14 @@
               <a:rPr lang="zh-TW" altLang="en-US" smtClean="0"/>
               <a:t>5</a:t>
             </a:fld>
-            <a:endParaRPr lang="zh-TW" altLang="en-US" dirty="0"/>
+            <a:endParaRPr lang="zh-TW" altLang="en-US"/>
           </a:p>
         </p:txBody>
       </p:sp>
     </p:spTree>
     <p:extLst>
       <p:ext uri="{BB962C8B-B14F-4D97-AF65-F5344CB8AC3E}">
-        <p14:creationId xmlns:p14="http://schemas.microsoft.com/office/powerpoint/2010/main" val="1709376892"/>
+        <p14:creationId xmlns:p14="http://schemas.microsoft.com/office/powerpoint/2010/main" val="2419807265"/>
       </p:ext>
     </p:extLst>
   </p:cSld>
@@ -21062,7 +20956,7 @@
           <p:cNvPr id="2" name="標題 1">
             <a:extLst>
               <a:ext uri="{FF2B5EF4-FFF2-40B4-BE49-F238E27FC236}">
-                <a16:creationId xmlns:a16="http://schemas.microsoft.com/office/drawing/2014/main" id="{4B7B244A-0AAC-9828-3206-6AEDC6812628}"/>
+                <a16:creationId xmlns:a16="http://schemas.microsoft.com/office/drawing/2014/main" id="{9C6210E8-BAC4-2DA1-9117-AC49975C3368}"/>
               </a:ext>
             </a:extLst>
           </p:cNvPr>
@@ -21080,7 +20974,7 @@
           <a:p>
             <a:r>
               <a:rPr lang="en-US" altLang="zh-TW" dirty="0"/>
-              <a:t>Outline</a:t>
+              <a:t>Introduction – Side Channel Analysis</a:t>
             </a:r>
             <a:endParaRPr lang="zh-TW" altLang="en-US" dirty="0"/>
           </a:p>
@@ -21091,7 +20985,7 @@
           <p:cNvPr id="3" name="內容版面配置區 2">
             <a:extLst>
               <a:ext uri="{FF2B5EF4-FFF2-40B4-BE49-F238E27FC236}">
-                <a16:creationId xmlns:a16="http://schemas.microsoft.com/office/drawing/2014/main" id="{CAD556FA-7235-31B3-090C-7C5CA8D7A9F8}"/>
+                <a16:creationId xmlns:a16="http://schemas.microsoft.com/office/drawing/2014/main" id="{5B0EF93C-5299-19AE-F290-FA53E975EF9A}"/>
               </a:ext>
             </a:extLst>
           </p:cNvPr>
@@ -21109,90 +21003,224 @@
           </a:bodyPr>
           <a:lstStyle/>
           <a:p>
-            <a:r>
-              <a:rPr lang="en-US" altLang="zh-TW" sz="3600" dirty="0">
-                <a:solidFill>
-                  <a:schemeClr val="bg2">
-                    <a:lumMod val="50000"/>
-                  </a:schemeClr>
-                </a:solidFill>
-              </a:rPr>
-              <a:t>Abstract</a:t>
-            </a:r>
-          </a:p>
-          <a:p>
-            <a:r>
-              <a:rPr lang="en-US" altLang="zh-TW" sz="3600" dirty="0"/>
-              <a:t>Introduction</a:t>
-            </a:r>
-          </a:p>
-          <a:p>
-            <a:r>
-              <a:rPr lang="en-US" altLang="zh-TW" sz="3600" dirty="0">
-                <a:solidFill>
-                  <a:schemeClr val="bg2">
-                    <a:lumMod val="50000"/>
-                  </a:schemeClr>
-                </a:solidFill>
-              </a:rPr>
-              <a:t>Threat Model</a:t>
-            </a:r>
-          </a:p>
-          <a:p>
-            <a:r>
-              <a:rPr lang="en-US" altLang="zh-TW" sz="3600" dirty="0">
-                <a:solidFill>
-                  <a:schemeClr val="bg2">
-                    <a:lumMod val="50000"/>
-                  </a:schemeClr>
-                </a:solidFill>
-              </a:rPr>
-              <a:t>Methodology</a:t>
-            </a:r>
-          </a:p>
-          <a:p>
-            <a:r>
-              <a:rPr lang="en-US" altLang="zh-TW" sz="3600" dirty="0">
-                <a:solidFill>
-                  <a:schemeClr val="bg2">
-                    <a:lumMod val="50000"/>
-                  </a:schemeClr>
-                </a:solidFill>
-              </a:rPr>
-              <a:t>Experimental Result</a:t>
-            </a:r>
-          </a:p>
-          <a:p>
-            <a:r>
-              <a:rPr lang="en-US" altLang="zh-TW" sz="3600" dirty="0">
-                <a:solidFill>
-                  <a:schemeClr val="bg2">
-                    <a:lumMod val="50000"/>
-                  </a:schemeClr>
-                </a:solidFill>
-              </a:rPr>
-              <a:t>Layout Analysis</a:t>
-            </a:r>
-          </a:p>
-          <a:p>
-            <a:r>
-              <a:rPr lang="en-US" altLang="zh-TW" sz="3600" dirty="0">
-                <a:solidFill>
-                  <a:schemeClr val="bg2">
-                    <a:lumMod val="50000"/>
-                  </a:schemeClr>
-                </a:solidFill>
-              </a:rPr>
-              <a:t>Conclusion</a:t>
-            </a:r>
-            <a:endParaRPr lang="zh-TW" altLang="en-US" sz="3600" dirty="0">
+            <a:pPr>
+              <a:lnSpc>
+                <a:spcPct val="110000"/>
+              </a:lnSpc>
+            </a:pPr>
+            <a:r>
+              <a:rPr lang="en-US" altLang="zh-TW" sz="2400" dirty="0">
+                <a:latin typeface="Calibri (本文)"/>
+              </a:rPr>
+              <a:t>To protect sensitive data handled within integrated circuits (ICs), the use of cryptographic (crypto) modules is widely adopted</a:t>
+            </a:r>
+          </a:p>
+          <a:p>
+            <a:pPr>
+              <a:lnSpc>
+                <a:spcPct val="110000"/>
+              </a:lnSpc>
+            </a:pPr>
+            <a:endParaRPr lang="en-US" altLang="zh-TW" sz="1800" dirty="0">
+              <a:latin typeface="Calibri (本文)"/>
+            </a:endParaRPr>
+          </a:p>
+          <a:p>
+            <a:pPr>
+              <a:lnSpc>
+                <a:spcPct val="110000"/>
+              </a:lnSpc>
+            </a:pPr>
+            <a:r>
+              <a:rPr lang="en-US" altLang="zh-TW" sz="2400" b="0" i="0" dirty="0">
+                <a:solidFill>
+                  <a:srgbClr val="333333"/>
+                </a:solidFill>
+                <a:effectLst/>
+                <a:latin typeface="Calibri (本文)"/>
+              </a:rPr>
+              <a:t>Once the attacker </a:t>
+            </a:r>
+            <a:r>
+              <a:rPr lang="en-US" altLang="zh-TW" sz="2400" b="1" i="0" dirty="0">
+                <a:solidFill>
+                  <a:srgbClr val="333333"/>
+                </a:solidFill>
+                <a:effectLst/>
+                <a:latin typeface="Calibri (本文)"/>
+              </a:rPr>
+              <a:t>accesses to ICs</a:t>
+            </a:r>
+            <a:r>
+              <a:rPr lang="en-US" altLang="zh-TW" sz="2400" b="0" i="0" dirty="0">
+                <a:solidFill>
+                  <a:srgbClr val="333333"/>
+                </a:solidFill>
+                <a:effectLst/>
+                <a:latin typeface="Calibri (本文)"/>
+              </a:rPr>
+              <a:t>, they can monitor the </a:t>
+            </a:r>
+            <a:r>
+              <a:rPr lang="en-US" altLang="zh-TW" sz="2400" b="1" i="0" dirty="0">
+                <a:solidFill>
+                  <a:srgbClr val="333333"/>
+                </a:solidFill>
+                <a:effectLst/>
+                <a:latin typeface="Calibri (本文)"/>
+              </a:rPr>
+              <a:t>runtime behavior</a:t>
+            </a:r>
+            <a:r>
+              <a:rPr lang="en-US" altLang="zh-TW" sz="2400" b="0" i="0" dirty="0">
+                <a:solidFill>
+                  <a:srgbClr val="333333"/>
+                </a:solidFill>
+                <a:effectLst/>
+                <a:latin typeface="Calibri (本文)"/>
+              </a:rPr>
+              <a:t> and </a:t>
+            </a:r>
+            <a:r>
+              <a:rPr lang="en-US" altLang="zh-TW" sz="2400" b="1" i="0" dirty="0">
+                <a:solidFill>
+                  <a:srgbClr val="333333"/>
+                </a:solidFill>
+                <a:effectLst/>
+                <a:latin typeface="Calibri (本文)"/>
+              </a:rPr>
+              <a:t>physical interactions</a:t>
+            </a:r>
+            <a:r>
+              <a:rPr lang="en-US" altLang="zh-TW" sz="2400" b="0" i="0" dirty="0">
+                <a:solidFill>
+                  <a:srgbClr val="333333"/>
+                </a:solidFill>
+                <a:effectLst/>
+                <a:latin typeface="Calibri (本文)"/>
+              </a:rPr>
+              <a:t> with the environment :</a:t>
+            </a:r>
+          </a:p>
+          <a:p>
+            <a:pPr marL="971550" lvl="1" indent="-514350">
+              <a:lnSpc>
+                <a:spcPct val="110000"/>
+              </a:lnSpc>
+              <a:buFont typeface="+mj-lt"/>
+              <a:buAutoNum type="arabicPeriod"/>
+            </a:pPr>
+            <a:r>
+              <a:rPr lang="en-US" altLang="zh-TW" b="1" i="0" dirty="0">
+                <a:solidFill>
+                  <a:srgbClr val="333333"/>
+                </a:solidFill>
+                <a:effectLst/>
+                <a:latin typeface="Calibri (本文)"/>
+              </a:rPr>
+              <a:t>Direct</a:t>
+            </a:r>
+            <a:r>
+              <a:rPr lang="en-US" altLang="zh-TW" b="0" i="0" dirty="0">
+                <a:solidFill>
+                  <a:srgbClr val="333333"/>
+                </a:solidFill>
+                <a:effectLst/>
+                <a:latin typeface="Calibri (本文)"/>
+              </a:rPr>
+              <a:t> : measurement</a:t>
+            </a:r>
+          </a:p>
+          <a:p>
+            <a:pPr marL="971550" lvl="1" indent="-514350">
+              <a:lnSpc>
+                <a:spcPct val="110000"/>
+              </a:lnSpc>
+              <a:buFont typeface="+mj-lt"/>
+              <a:buAutoNum type="arabicPeriod"/>
+            </a:pPr>
+            <a:r>
+              <a:rPr lang="en-US" altLang="zh-TW" b="1" i="0" dirty="0">
+                <a:solidFill>
+                  <a:srgbClr val="333333"/>
+                </a:solidFill>
+                <a:effectLst/>
+                <a:latin typeface="Calibri (本文)"/>
+              </a:rPr>
+              <a:t>Remote/Indirect</a:t>
+            </a:r>
+            <a:r>
+              <a:rPr lang="en-US" altLang="zh-TW" b="0" i="0" dirty="0">
+                <a:solidFill>
+                  <a:srgbClr val="333333"/>
+                </a:solidFill>
+                <a:effectLst/>
+                <a:latin typeface="Calibri (本文)"/>
+              </a:rPr>
+              <a:t> : software interface to embedded sensors</a:t>
+            </a:r>
+          </a:p>
+          <a:p>
+            <a:pPr marL="971550" lvl="1" indent="-514350">
+              <a:lnSpc>
+                <a:spcPct val="110000"/>
+              </a:lnSpc>
+              <a:buFont typeface="+mj-lt"/>
+              <a:buAutoNum type="arabicPeriod"/>
+            </a:pPr>
+            <a:endParaRPr lang="en-US" altLang="zh-TW" sz="1800" b="0" i="0" dirty="0">
               <a:solidFill>
-                <a:schemeClr val="bg2">
-                  <a:lumMod val="50000"/>
-                </a:schemeClr>
+                <a:srgbClr val="333333"/>
               </a:solidFill>
+              <a:effectLst/>
+              <a:latin typeface="Calibri (本文)"/>
             </a:endParaRPr>
           </a:p>
+          <a:p>
+            <a:pPr>
+              <a:lnSpc>
+                <a:spcPct val="110000"/>
+              </a:lnSpc>
+            </a:pPr>
+            <a:r>
+              <a:rPr lang="en-US" altLang="zh-TW" sz="2400" b="0" i="0" dirty="0">
+                <a:solidFill>
+                  <a:srgbClr val="333333"/>
+                </a:solidFill>
+                <a:effectLst/>
+                <a:latin typeface="Calibri (本文)"/>
+              </a:rPr>
+              <a:t>They can infer the </a:t>
+            </a:r>
+            <a:r>
+              <a:rPr lang="en-US" altLang="zh-TW" sz="2400" b="1" i="0" dirty="0">
+                <a:solidFill>
+                  <a:srgbClr val="333333"/>
+                </a:solidFill>
+                <a:effectLst/>
+                <a:latin typeface="Calibri (本文)"/>
+              </a:rPr>
+              <a:t>secret key</a:t>
+            </a:r>
+            <a:r>
+              <a:rPr lang="en-US" altLang="zh-TW" sz="2400" b="0" i="0" dirty="0">
+                <a:solidFill>
+                  <a:srgbClr val="333333"/>
+                </a:solidFill>
+                <a:effectLst/>
+                <a:latin typeface="Calibri (本文)"/>
+              </a:rPr>
+              <a:t> used for crypto modules</a:t>
+            </a:r>
+          </a:p>
+          <a:p>
+            <a:pPr marL="0" indent="0">
+              <a:buNone/>
+            </a:pPr>
+            <a:endParaRPr lang="zh-TW" altLang="en-US" dirty="0">
+              <a:latin typeface="Calibri (本文)"/>
+            </a:endParaRPr>
+          </a:p>
         </p:txBody>
       </p:sp>
       <p:sp>
@@ -21200,7 +21228,7 @@
           <p:cNvPr id="4" name="投影片編號版面配置區 3">
             <a:extLst>
               <a:ext uri="{FF2B5EF4-FFF2-40B4-BE49-F238E27FC236}">
-                <a16:creationId xmlns:a16="http://schemas.microsoft.com/office/drawing/2014/main" id="{4453F770-C46F-3AF7-868A-3A7A496C4F01}"/>
+                <a16:creationId xmlns:a16="http://schemas.microsoft.com/office/drawing/2014/main" id="{F8BB9982-D5F7-7E28-A300-EEAB357A4CBC}"/>
               </a:ext>
             </a:extLst>
           </p:cNvPr>
@@ -21220,14 +21248,14 @@
               <a:rPr lang="zh-TW" altLang="en-US" smtClean="0"/>
               <a:t>6</a:t>
             </a:fld>
-            <a:endParaRPr lang="zh-TW" altLang="en-US"/>
+            <a:endParaRPr lang="zh-TW" altLang="en-US" dirty="0"/>
           </a:p>
         </p:txBody>
       </p:sp>
     </p:spTree>
     <p:extLst>
       <p:ext uri="{BB962C8B-B14F-4D97-AF65-F5344CB8AC3E}">
-        <p14:creationId xmlns:p14="http://schemas.microsoft.com/office/powerpoint/2010/main" val="2419807265"/>
+        <p14:creationId xmlns:p14="http://schemas.microsoft.com/office/powerpoint/2010/main" val="1709376892"/>
       </p:ext>
     </p:extLst>
   </p:cSld>
